--- a/project doc/Project Design.pptx
+++ b/project doc/Project Design.pptx
@@ -16749,7 +16749,7 @@
         <p:spPr>
           <a:xfrm>
             <a:off x="326980" y="878536"/>
-            <a:ext cx="8349029" cy="5016718"/>
+            <a:ext cx="8349029" cy="5262939"/>
           </a:xfrm>
           <a:prstGeom prst="rect">
             <a:avLst/>
@@ -16850,6 +16850,37 @@
               </a:spcAft>
               <a:buNone/>
             </a:pPr>
+            <a:r>
+              <a:rPr lang="en-US" sz="1600" i="1" dirty="0">
+                <a:solidFill>
+                  <a:schemeClr val="dk1"/>
+                </a:solidFill>
+                <a:latin typeface="Calibri"/>
+                <a:cs typeface="Calibri"/>
+                <a:sym typeface="Calibri"/>
+                <a:hlinkClick r:id="rId4"/>
+              </a:rPr>
+              <a:t>https://www.kaggle.com/datasets/najzeko/steam-reviews-2021?select=steam_reviews.csv</a:t>
+            </a:r>
+            <a:endParaRPr lang="en-US" sz="1600" i="1" dirty="0">
+              <a:solidFill>
+                <a:schemeClr val="dk1"/>
+              </a:solidFill>
+              <a:latin typeface="Calibri"/>
+              <a:cs typeface="Calibri"/>
+              <a:sym typeface="Calibri"/>
+            </a:endParaRPr>
+          </a:p>
+          <a:p>
+            <a:pPr marL="0" marR="0" lvl="0" indent="0" algn="l" rtl="0">
+              <a:spcBef>
+                <a:spcPts val="0"/>
+              </a:spcBef>
+              <a:spcAft>
+                <a:spcPts val="0"/>
+              </a:spcAft>
+              <a:buNone/>
+            </a:pPr>
             <a:endParaRPr lang="en-US" sz="1600" i="1" dirty="0">
               <a:solidFill>
                 <a:schemeClr val="dk1"/>
@@ -16902,7 +16933,7 @@
                 <a:latin typeface="Calibri"/>
                 <a:cs typeface="Calibri"/>
                 <a:sym typeface="Calibri"/>
-                <a:hlinkClick r:id="rId4"/>
+                <a:hlinkClick r:id="rId5"/>
               </a:rPr>
               <a:t>https://www.kaggle.com/datasets/baraazaid/pc-video-game-requirements</a:t>
             </a:r>
@@ -17044,27 +17075,7 @@
                 <a:latin typeface="Calibri"/>
                 <a:cs typeface="Calibri"/>
               </a:rPr>
-              <a:t>System </a:t>
-            </a:r>
-            <a:r>
-              <a:rPr lang="en-US" sz="1600" i="1">
-                <a:solidFill>
-                  <a:schemeClr val="dk1"/>
-                </a:solidFill>
-                <a:latin typeface="Calibri"/>
-                <a:cs typeface="Calibri"/>
-              </a:rPr>
-              <a:t>Requirements (19MB</a:t>
-            </a:r>
-            <a:r>
-              <a:rPr lang="en-US" sz="1600" i="1" dirty="0">
-                <a:solidFill>
-                  <a:schemeClr val="dk1"/>
-                </a:solidFill>
-                <a:latin typeface="Calibri"/>
-                <a:cs typeface="Calibri"/>
-              </a:rPr>
-              <a:t>)</a:t>
+              <a:t>System Requirements (19MB)</a:t>
             </a:r>
             <a:endParaRPr sz="1600" i="1" dirty="0">
               <a:solidFill>
